--- a/BTP_Presentation_22CS30036.pptx
+++ b/BTP_Presentation_22CS30036.pptx
@@ -3414,8 +3414,8 @@
           </a:p>
         </p:txBody>
       </p:sp>
-      <mc:AlternateContent xmlns:mc="http://schemas.openxmlformats.org/markup-compatibility/2006">
-        <mc:Choice xmlns:a14="http://schemas.microsoft.com/office/drawing/2010/main" Requires="a14">
+      <mc:AlternateContent xmlns:mc="http://schemas.openxmlformats.org/markup-compatibility/2006" xmlns:a14="http://schemas.microsoft.com/office/drawing/2010/main">
+        <mc:Choice Requires="a14">
           <p:sp>
             <p:nvSpPr>
               <p:cNvPr id="5" name="TextBox 5"/>
@@ -3765,6 +3765,15 @@
                     </m:r>
                   </m:oMath>
                 </a14:m>
+                <a:endParaRPr lang="en-US" sz="2399" spc="239" dirty="0">
+                  <a:solidFill>
+                    <a:srgbClr val="000000"/>
+                  </a:solidFill>
+                  <a:latin typeface="Open Sauce"/>
+                  <a:ea typeface="Open Sauce"/>
+                  <a:cs typeface="Open Sauce"/>
+                  <a:sym typeface="Open Sauce"/>
+                </a:endParaRPr>
               </a:p>
               <a:p>
                 <a:pPr algn="l">
@@ -3910,7 +3919,7 @@
             </p:txBody>
           </p:sp>
         </mc:Choice>
-        <mc:Fallback>
+        <mc:Fallback xmlns="">
           <p:sp>
             <p:nvSpPr>
               <p:cNvPr id="5" name="TextBox 5"/>
@@ -4269,6 +4278,15 @@
                     </m:sSub>
                   </m:oMath>
                 </a14:m>
+                <a:endParaRPr lang="en-US" sz="3200" b="1" spc="320" dirty="0">
+                  <a:solidFill>
+                    <a:srgbClr val="000000"/>
+                  </a:solidFill>
+                  <a:latin typeface="Open Sauce Bold"/>
+                  <a:ea typeface="Open Sauce Bold"/>
+                  <a:cs typeface="Open Sauce Bold"/>
+                  <a:sym typeface="Open Sauce Bold"/>
+                </a:endParaRPr>
               </a:p>
               <a:p>
                 <a:pPr algn="l">
@@ -4579,6 +4597,15 @@
                     </m:r>
                   </m:oMath>
                 </a14:m>
+                <a:endParaRPr lang="en-US" sz="2599" b="1" spc="259" dirty="0">
+                  <a:solidFill>
+                    <a:srgbClr val="000000"/>
+                  </a:solidFill>
+                  <a:latin typeface="Open Sauce Bold"/>
+                  <a:ea typeface="Open Sauce Bold"/>
+                  <a:cs typeface="Open Sauce Bold"/>
+                  <a:sym typeface="Open Sauce Bold"/>
+                </a:endParaRPr>
               </a:p>
               <a:p>
                 <a:pPr algn="l">
@@ -4707,42 +4734,49 @@
                 </a:pPr>
                 <a14:m>
                   <m:oMath xmlns:m="http://schemas.openxmlformats.org/officeDocument/2006/math">
-                    <m:r>
-                      <a:rPr lang="en-US" sz="2399" i="1" spc="240" dirty="0" smtClean="0">
-                        <a:solidFill>
-                          <a:srgbClr val="000000"/>
-                        </a:solidFill>
-                        <a:latin typeface="Cambria Math" panose="02040503050406030204" pitchFamily="18" charset="0"/>
-                        <a:ea typeface="Open Sauce"/>
-                        <a:cs typeface="Open Sauce"/>
-                        <a:sym typeface="Open Sauce"/>
-                      </a:rPr>
-                      <m:t>𝑤</m:t>
-                    </m:r>
-                    <m:r>
-                      <a:rPr lang="en-US" sz="2399" i="1" spc="240" dirty="0" smtClean="0">
-                        <a:solidFill>
-                          <a:srgbClr val="000000"/>
-                        </a:solidFill>
-                        <a:latin typeface="Cambria Math" panose="02040503050406030204" pitchFamily="18" charset="0"/>
-                        <a:ea typeface="Open Sauce"/>
-                        <a:cs typeface="Open Sauce"/>
-                        <a:sym typeface="Open Sauce"/>
-                      </a:rPr>
-                      <m:t>_</m:t>
-                    </m:r>
-                    <m:r>
-                      <a:rPr lang="en-US" sz="2399" i="1" spc="240" dirty="0" smtClean="0">
-                        <a:solidFill>
-                          <a:srgbClr val="000000"/>
-                        </a:solidFill>
-                        <a:latin typeface="Cambria Math" panose="02040503050406030204" pitchFamily="18" charset="0"/>
-                        <a:ea typeface="Open Sauce"/>
-                        <a:cs typeface="Open Sauce"/>
-                        <a:sym typeface="Open Sauce"/>
-                      </a:rPr>
-                      <m:t>𝑝𝑜𝑠</m:t>
-                    </m:r>
+                    <m:sSub>
+                      <m:sSubPr>
+                        <m:ctrlPr>
+                          <a:rPr lang="en-US" sz="2399" b="0" i="1" spc="240" dirty="0" smtClean="0">
+                            <a:solidFill>
+                              <a:srgbClr val="000000"/>
+                            </a:solidFill>
+                            <a:latin typeface="Cambria Math" panose="02040503050406030204" pitchFamily="18" charset="0"/>
+                            <a:ea typeface="Open Sauce"/>
+                            <a:cs typeface="Open Sauce"/>
+                            <a:sym typeface="Open Sauce"/>
+                          </a:rPr>
+                        </m:ctrlPr>
+                      </m:sSubPr>
+                      <m:e>
+                        <m:r>
+                          <a:rPr lang="en-US" sz="2399" i="1" spc="240" dirty="0" smtClean="0">
+                            <a:solidFill>
+                              <a:srgbClr val="000000"/>
+                            </a:solidFill>
+                            <a:latin typeface="Cambria Math" panose="02040503050406030204" pitchFamily="18" charset="0"/>
+                            <a:ea typeface="Open Sauce"/>
+                            <a:cs typeface="Open Sauce"/>
+                            <a:sym typeface="Open Sauce"/>
+                          </a:rPr>
+                          <m:t>𝑤</m:t>
+                        </m:r>
+                      </m:e>
+                      <m:sub>
+                        <m:r>
+                          <a:rPr lang="en-US" sz="2399" b="0" i="1" spc="240" dirty="0" smtClean="0">
+                            <a:solidFill>
+                              <a:srgbClr val="000000"/>
+                            </a:solidFill>
+                            <a:latin typeface="Cambria Math" panose="02040503050406030204" pitchFamily="18" charset="0"/>
+                            <a:ea typeface="Open Sauce"/>
+                            <a:cs typeface="Open Sauce"/>
+                            <a:sym typeface="Open Sauce"/>
+                          </a:rPr>
+                          <m:t>𝑝𝑜𝑠</m:t>
+                        </m:r>
+                      </m:sub>
+                    </m:sSub>
                     <m:r>
                       <a:rPr lang="en-US" sz="2399" i="1" spc="240" dirty="0">
                         <a:solidFill>
@@ -5035,6 +5069,15 @@
                     </m:r>
                   </m:oMath>
                 </a14:m>
+                <a:endParaRPr lang="en-US" sz="2599" b="1" spc="259" dirty="0">
+                  <a:solidFill>
+                    <a:srgbClr val="000000"/>
+                  </a:solidFill>
+                  <a:latin typeface="Open Sauce Bold"/>
+                  <a:ea typeface="Open Sauce Bold"/>
+                  <a:cs typeface="Open Sauce Bold"/>
+                  <a:sym typeface="Open Sauce Bold"/>
+                </a:endParaRPr>
               </a:p>
               <a:p>
                 <a:pPr algn="l">
@@ -5056,7 +5099,7 @@
                 </a:r>
               </a:p>
               <a:p>
-                <a:pPr marL="1036320" lvl="2" indent="-345440" algn="l">
+                <a:pPr marL="1036320" lvl="2" indent="-345440">
                   <a:lnSpc>
                     <a:spcPts val="3359"/>
                   </a:lnSpc>
@@ -5065,42 +5108,49 @@
                 </a:pPr>
                 <a14:m>
                   <m:oMath xmlns:m="http://schemas.openxmlformats.org/officeDocument/2006/math">
-                    <m:r>
-                      <a:rPr lang="en-US" sz="2399" i="1" spc="240" dirty="0" smtClean="0">
-                        <a:solidFill>
-                          <a:srgbClr val="000000"/>
-                        </a:solidFill>
-                        <a:latin typeface="Cambria Math" panose="02040503050406030204" pitchFamily="18" charset="0"/>
-                        <a:ea typeface="Open Sauce"/>
-                        <a:cs typeface="Open Sauce"/>
-                        <a:sym typeface="Open Sauce"/>
-                      </a:rPr>
-                      <m:t>𝑝</m:t>
-                    </m:r>
-                    <m:r>
-                      <a:rPr lang="en-US" sz="2399" i="1" spc="240" dirty="0" smtClean="0">
-                        <a:solidFill>
-                          <a:srgbClr val="000000"/>
-                        </a:solidFill>
-                        <a:latin typeface="Cambria Math" panose="02040503050406030204" pitchFamily="18" charset="0"/>
-                        <a:ea typeface="Open Sauce"/>
-                        <a:cs typeface="Open Sauce"/>
-                        <a:sym typeface="Open Sauce"/>
-                      </a:rPr>
-                      <m:t>_</m:t>
-                    </m:r>
-                    <m:r>
-                      <a:rPr lang="en-US" sz="2399" i="1" spc="240" dirty="0" smtClean="0">
-                        <a:solidFill>
-                          <a:srgbClr val="000000"/>
-                        </a:solidFill>
-                        <a:latin typeface="Cambria Math" panose="02040503050406030204" pitchFamily="18" charset="0"/>
-                        <a:ea typeface="Open Sauce"/>
-                        <a:cs typeface="Open Sauce"/>
-                        <a:sym typeface="Open Sauce"/>
-                      </a:rPr>
-                      <m:t>𝑡</m:t>
-                    </m:r>
+                    <m:sSub>
+                      <m:sSubPr>
+                        <m:ctrlPr>
+                          <a:rPr lang="en-US" sz="2399" b="0" i="1" spc="240" dirty="0" smtClean="0">
+                            <a:solidFill>
+                              <a:srgbClr val="000000"/>
+                            </a:solidFill>
+                            <a:latin typeface="Cambria Math" panose="02040503050406030204" pitchFamily="18" charset="0"/>
+                            <a:ea typeface="Open Sauce"/>
+                            <a:cs typeface="Open Sauce"/>
+                            <a:sym typeface="Open Sauce"/>
+                          </a:rPr>
+                        </m:ctrlPr>
+                      </m:sSubPr>
+                      <m:e>
+                        <m:r>
+                          <a:rPr lang="en-US" sz="2399" i="1" spc="240" dirty="0" smtClean="0">
+                            <a:solidFill>
+                              <a:srgbClr val="000000"/>
+                            </a:solidFill>
+                            <a:latin typeface="Cambria Math" panose="02040503050406030204" pitchFamily="18" charset="0"/>
+                            <a:ea typeface="Open Sauce"/>
+                            <a:cs typeface="Open Sauce"/>
+                            <a:sym typeface="Open Sauce"/>
+                          </a:rPr>
+                          <m:t>𝑝</m:t>
+                        </m:r>
+                      </m:e>
+                      <m:sub>
+                        <m:r>
+                          <a:rPr lang="en-US" sz="2399" b="0" i="1" spc="240" dirty="0" smtClean="0">
+                            <a:solidFill>
+                              <a:srgbClr val="000000"/>
+                            </a:solidFill>
+                            <a:latin typeface="Cambria Math" panose="02040503050406030204" pitchFamily="18" charset="0"/>
+                            <a:ea typeface="Open Sauce"/>
+                            <a:cs typeface="Open Sauce"/>
+                            <a:sym typeface="Open Sauce"/>
+                          </a:rPr>
+                          <m:t>𝑡</m:t>
+                        </m:r>
+                      </m:sub>
+                    </m:sSub>
                     <m:r>
                       <a:rPr lang="en-US" sz="2399" i="1" spc="240" dirty="0">
                         <a:solidFill>
@@ -5191,16 +5241,143 @@
                   </a:rPr>
                   <a:t>, else </a:t>
                 </a:r>
-                <a14:m/>
+                <a14:m>
+                  <m:oMath xmlns:m="http://schemas.openxmlformats.org/officeDocument/2006/math">
+                    <m:sSub>
+                      <m:sSubPr>
+                        <m:ctrlPr>
+                          <a:rPr lang="en-US" sz="2400" b="0" i="1" dirty="0" smtClean="0">
+                            <a:latin typeface="Cambria Math" panose="02040503050406030204" pitchFamily="18" charset="0"/>
+                          </a:rPr>
+                        </m:ctrlPr>
+                      </m:sSubPr>
+                      <m:e>
+                        <m:r>
+                          <a:rPr lang="en-US" sz="2400" i="1" dirty="0" smtClean="0">
+                            <a:latin typeface="Cambria Math" panose="02040503050406030204" pitchFamily="18" charset="0"/>
+                          </a:rPr>
+                          <m:t>𝑝</m:t>
+                        </m:r>
+                      </m:e>
+                      <m:sub>
+                        <m:r>
+                          <a:rPr lang="en-US" sz="2400" b="0" i="1" dirty="0" smtClean="0">
+                            <a:latin typeface="Cambria Math" panose="02040503050406030204" pitchFamily="18" charset="0"/>
+                          </a:rPr>
+                          <m:t>𝑡</m:t>
+                        </m:r>
+                      </m:sub>
+                    </m:sSub>
+                    <m:r>
+                      <a:rPr lang="en-US" sz="2400" i="1" dirty="0">
+                        <a:latin typeface="Cambria Math" panose="02040503050406030204" pitchFamily="18" charset="0"/>
+                      </a:rPr>
+                      <m:t>= 1 − </m:t>
+                    </m:r>
+                    <m:r>
+                      <a:rPr lang="en-US" sz="2400" i="1" dirty="0">
+                        <a:latin typeface="Cambria Math" panose="02040503050406030204" pitchFamily="18" charset="0"/>
+                      </a:rPr>
+                      <m:t>𝑝</m:t>
+                    </m:r>
+                  </m:oMath>
+                </a14:m>
+                <a:endParaRPr lang="en-US" sz="2399" spc="240" dirty="0">
+                  <a:solidFill>
+                    <a:srgbClr val="000000"/>
+                  </a:solidFill>
+                  <a:latin typeface="Open Sauce"/>
+                  <a:ea typeface="Open Sauce"/>
+                  <a:cs typeface="Open Sauce"/>
+                  <a:sym typeface="Open Sauce"/>
+                </a:endParaRPr>
               </a:p>
               <a:p>
-                <a:pPr marL="1036320" lvl="2" indent="-345440" algn="l">
+                <a:pPr marL="1036320" lvl="2" indent="-345440">
                   <a:lnSpc>
                     <a:spcPts val="3359"/>
                   </a:lnSpc>
                   <a:buFont typeface="Arial"/>
                   <a:buChar char="⚬"/>
                 </a:pPr>
+                <a14:m>
+                  <m:oMath xmlns:m="http://schemas.openxmlformats.org/officeDocument/2006/math">
+                    <m:r>
+                      <a:rPr lang="pt-BR" sz="2400" i="1" dirty="0" smtClean="0">
+                        <a:latin typeface="Cambria Math" panose="02040503050406030204" pitchFamily="18" charset="0"/>
+                      </a:rPr>
+                      <m:t>𝛼</m:t>
+                    </m:r>
+                    <m:r>
+                      <a:rPr lang="pt-BR" sz="2400" i="1" dirty="0" smtClean="0">
+                        <a:latin typeface="Cambria Math" panose="02040503050406030204" pitchFamily="18" charset="0"/>
+                      </a:rPr>
+                      <m:t> = 1 − (</m:t>
+                    </m:r>
+                    <m:sSub>
+                      <m:sSubPr>
+                        <m:ctrlPr>
+                          <a:rPr lang="en-US" sz="2400" b="0" i="1" dirty="0" smtClean="0">
+                            <a:latin typeface="Cambria Math" panose="02040503050406030204" pitchFamily="18" charset="0"/>
+                          </a:rPr>
+                        </m:ctrlPr>
+                      </m:sSubPr>
+                      <m:e>
+                        <m:r>
+                          <a:rPr lang="pt-BR" sz="2400" i="1" dirty="0" smtClean="0">
+                            <a:latin typeface="Cambria Math" panose="02040503050406030204" pitchFamily="18" charset="0"/>
+                          </a:rPr>
+                          <m:t>𝑁</m:t>
+                        </m:r>
+                      </m:e>
+                      <m:sub>
+                        <m:r>
+                          <a:rPr lang="en-US" sz="2400" b="0" i="1" dirty="0" smtClean="0">
+                            <a:latin typeface="Cambria Math" panose="02040503050406030204" pitchFamily="18" charset="0"/>
+                          </a:rPr>
+                          <m:t>𝑓𝑟𝑎𝑢𝑑𝑢𝑙𝑒𝑛𝑡</m:t>
+                        </m:r>
+                      </m:sub>
+                    </m:sSub>
+                    <m:r>
+                      <a:rPr lang="pt-BR" sz="2400" i="1" dirty="0" smtClean="0">
+                        <a:latin typeface="Cambria Math" panose="02040503050406030204" pitchFamily="18" charset="0"/>
+                      </a:rPr>
+                      <m:t>/</m:t>
+                    </m:r>
+                    <m:sSub>
+                      <m:sSubPr>
+                        <m:ctrlPr>
+                          <a:rPr lang="en-US" sz="2400" b="0" i="1" dirty="0" smtClean="0">
+                            <a:latin typeface="Cambria Math" panose="02040503050406030204" pitchFamily="18" charset="0"/>
+                          </a:rPr>
+                        </m:ctrlPr>
+                      </m:sSubPr>
+                      <m:e>
+                        <m:r>
+                          <a:rPr lang="pt-BR" sz="2400" i="1" dirty="0" smtClean="0">
+                            <a:latin typeface="Cambria Math" panose="02040503050406030204" pitchFamily="18" charset="0"/>
+                          </a:rPr>
+                          <m:t>𝑁</m:t>
+                        </m:r>
+                      </m:e>
+                      <m:sub>
+                        <m:r>
+                          <a:rPr lang="en-US" sz="2400" b="0" i="1" dirty="0" smtClean="0">
+                            <a:latin typeface="Cambria Math" panose="02040503050406030204" pitchFamily="18" charset="0"/>
+                          </a:rPr>
+                          <m:t>𝑡𝑜𝑡𝑎𝑙</m:t>
+                        </m:r>
+                      </m:sub>
+                    </m:sSub>
+                    <m:r>
+                      <a:rPr lang="pt-BR" sz="2400" i="1" dirty="0" smtClean="0">
+                        <a:latin typeface="Cambria Math" panose="02040503050406030204" pitchFamily="18" charset="0"/>
+                      </a:rPr>
+                      <m:t>) </m:t>
+                    </m:r>
+                  </m:oMath>
+                </a14:m>
                 <a:r>
                   <a:rPr lang="en-US" sz="2399" spc="240" dirty="0">
                     <a:solidFill>
